--- a/FSI/FSI vv.pptx
+++ b/FSI/FSI vv.pptx
@@ -325,7 +325,7 @@
               <a:pPr>
                 <a:defRPr/>
               </a:pPr>
-              <a:t>5/1/2025</a:t>
+              <a:t>9/25/2025</a:t>
             </a:fld>
             <a:endParaRPr lang="en-US"/>
           </a:p>
@@ -987,7 +987,7 @@
               <a:pPr>
                 <a:defRPr/>
               </a:pPr>
-              <a:t>May 1, 2025</a:t>
+              <a:t>September 25, 2025</a:t>
             </a:fld>
             <a:endParaRPr lang="en-US"/>
           </a:p>
@@ -1195,7 +1195,7 @@
               <a:pPr>
                 <a:defRPr/>
               </a:pPr>
-              <a:t>May 1, 2025</a:t>
+              <a:t>September 25, 2025</a:t>
             </a:fld>
             <a:endParaRPr lang="en-US"/>
           </a:p>
@@ -1409,7 +1409,7 @@
               <a:pPr>
                 <a:defRPr/>
               </a:pPr>
-              <a:t>May 1, 2025</a:t>
+              <a:t>September 25, 2025</a:t>
             </a:fld>
             <a:endParaRPr lang="en-US"/>
           </a:p>
@@ -1674,7 +1674,7 @@
               <a:pPr>
                 <a:defRPr/>
               </a:pPr>
-              <a:t>May 1, 2025</a:t>
+              <a:t>September 25, 2025</a:t>
             </a:fld>
             <a:endParaRPr lang="en-US"/>
           </a:p>
@@ -1989,7 +1989,7 @@
               <a:pPr>
                 <a:defRPr/>
               </a:pPr>
-              <a:t>May 1, 2025</a:t>
+              <a:t>September 25, 2025</a:t>
             </a:fld>
             <a:endParaRPr lang="en-US"/>
           </a:p>
@@ -2850,7 +2850,7 @@
               <a:pPr>
                 <a:defRPr/>
               </a:pPr>
-              <a:t>5/1/2025</a:t>
+              <a:t>9/25/2025</a:t>
             </a:fld>
             <a:endParaRPr lang="en-US"/>
           </a:p>
@@ -3035,7 +3035,7 @@
               <a:pPr>
                 <a:defRPr/>
               </a:pPr>
-              <a:t>5/1/2025</a:t>
+              <a:t>9/25/2025</a:t>
             </a:fld>
             <a:endParaRPr lang="en-US"/>
           </a:p>
@@ -3297,7 +3297,7 @@
               <a:pPr>
                 <a:defRPr/>
               </a:pPr>
-              <a:t>5/1/2025</a:t>
+              <a:t>9/25/2025</a:t>
             </a:fld>
             <a:endParaRPr lang="en-US"/>
           </a:p>
@@ -3599,7 +3599,7 @@
               <a:pPr>
                 <a:defRPr/>
               </a:pPr>
-              <a:t>5/1/2025</a:t>
+              <a:t>9/25/2025</a:t>
             </a:fld>
             <a:endParaRPr lang="en-US"/>
           </a:p>
@@ -4031,7 +4031,7 @@
               <a:pPr>
                 <a:defRPr/>
               </a:pPr>
-              <a:t>5/1/2025</a:t>
+              <a:t>9/25/2025</a:t>
             </a:fld>
             <a:endParaRPr lang="en-US"/>
           </a:p>
@@ -4249,7 +4249,7 @@
               <a:pPr>
                 <a:defRPr/>
               </a:pPr>
-              <a:t>May 1, 2025</a:t>
+              <a:t>September 25, 2025</a:t>
             </a:fld>
             <a:endParaRPr lang="en-US"/>
           </a:p>
@@ -4386,7 +4386,7 @@
               <a:pPr>
                 <a:defRPr/>
               </a:pPr>
-              <a:t>5/1/2025</a:t>
+              <a:t>9/25/2025</a:t>
             </a:fld>
             <a:endParaRPr lang="en-US"/>
           </a:p>
@@ -4498,7 +4498,7 @@
               <a:pPr>
                 <a:defRPr/>
               </a:pPr>
-              <a:t>5/1/2025</a:t>
+              <a:t>9/25/2025</a:t>
             </a:fld>
             <a:endParaRPr lang="en-US"/>
           </a:p>
@@ -4790,7 +4790,7 @@
               <a:pPr>
                 <a:defRPr/>
               </a:pPr>
-              <a:t>5/1/2025</a:t>
+              <a:t>9/25/2025</a:t>
             </a:fld>
             <a:endParaRPr lang="en-US"/>
           </a:p>
@@ -5062,7 +5062,7 @@
               <a:pPr>
                 <a:defRPr/>
               </a:pPr>
-              <a:t>5/1/2025</a:t>
+              <a:t>9/25/2025</a:t>
             </a:fld>
             <a:endParaRPr lang="en-US"/>
           </a:p>
@@ -5247,7 +5247,7 @@
               <a:pPr>
                 <a:defRPr/>
               </a:pPr>
-              <a:t>5/1/2025</a:t>
+              <a:t>9/25/2025</a:t>
             </a:fld>
             <a:endParaRPr lang="en-US"/>
           </a:p>
@@ -5442,7 +5442,7 @@
               <a:pPr>
                 <a:defRPr/>
               </a:pPr>
-              <a:t>5/1/2025</a:t>
+              <a:t>9/25/2025</a:t>
             </a:fld>
             <a:endParaRPr lang="en-US"/>
           </a:p>
@@ -5827,7 +5827,7 @@
               <a:pPr>
                 <a:defRPr/>
               </a:pPr>
-              <a:t>May 1, 2025</a:t>
+              <a:t>September 25, 2025</a:t>
             </a:fld>
             <a:endParaRPr lang="en-US"/>
           </a:p>
@@ -6118,7 +6118,7 @@
               <a:pPr>
                 <a:defRPr/>
               </a:pPr>
-              <a:t>May 1, 2025</a:t>
+              <a:t>September 25, 2025</a:t>
             </a:fld>
             <a:endParaRPr lang="en-US"/>
           </a:p>
@@ -6515,7 +6515,7 @@
               <a:pPr>
                 <a:defRPr/>
               </a:pPr>
-              <a:t>May 1, 2025</a:t>
+              <a:t>September 25, 2025</a:t>
             </a:fld>
             <a:endParaRPr lang="en-US" dirty="0"/>
           </a:p>
@@ -6661,7 +6661,7 @@
               <a:pPr>
                 <a:defRPr/>
               </a:pPr>
-              <a:t>May 1, 2025</a:t>
+              <a:t>September 25, 2025</a:t>
             </a:fld>
             <a:endParaRPr lang="en-US"/>
           </a:p>
@@ -6776,7 +6776,7 @@
               <a:pPr>
                 <a:defRPr/>
               </a:pPr>
-              <a:t>May 1, 2025</a:t>
+              <a:t>September 25, 2025</a:t>
             </a:fld>
             <a:endParaRPr lang="en-US"/>
           </a:p>
@@ -7048,7 +7048,7 @@
               <a:pPr>
                 <a:defRPr/>
               </a:pPr>
-              <a:t>May 1, 2025</a:t>
+              <a:t>September 25, 2025</a:t>
             </a:fld>
             <a:endParaRPr lang="en-US"/>
           </a:p>
@@ -7329,7 +7329,7 @@
               <a:pPr>
                 <a:defRPr/>
               </a:pPr>
-              <a:t>May 1, 2025</a:t>
+              <a:t>September 25, 2025</a:t>
             </a:fld>
             <a:endParaRPr lang="en-US"/>
           </a:p>
@@ -7691,7 +7691,7 @@
               <a:pPr>
                 <a:defRPr/>
               </a:pPr>
-              <a:t>May 1, 2025</a:t>
+              <a:t>September 25, 2025</a:t>
             </a:fld>
             <a:endParaRPr lang="en-US"/>
           </a:p>
@@ -8398,7 +8398,7 @@
               <a:pPr>
                 <a:defRPr/>
               </a:pPr>
-              <a:t>5/1/2025</a:t>
+              <a:t>9/25/2025</a:t>
             </a:fld>
             <a:endParaRPr lang="en-US"/>
           </a:p>
@@ -9242,17 +9242,7 @@
                 <a:latin typeface="Times New Roman" pitchFamily="18" charset="0"/>
                 <a:cs typeface="Times New Roman" pitchFamily="18" charset="0"/>
               </a:rPr>
-              <a:t>PROJECT WORK </a:t>
-            </a:r>
-            <a:r>
-              <a:rPr lang="en-US" sz="2400" b="1" dirty="0" smtClean="0">
-                <a:solidFill>
-                  <a:schemeClr val="bg1"/>
-                </a:solidFill>
-                <a:latin typeface="Times New Roman" pitchFamily="18" charset="0"/>
-                <a:cs typeface="Times New Roman" pitchFamily="18" charset="0"/>
-              </a:rPr>
-              <a:t>PHASE-II</a:t>
+              <a:t>PROJECT WORK PHASE-I</a:t>
             </a:r>
             <a:endParaRPr lang="en-IN" sz="2400" b="1" dirty="0">
               <a:solidFill>
@@ -9274,8 +9264,8 @@
         </p:nvSpPr>
         <p:spPr bwMode="auto">
           <a:xfrm>
-            <a:off x="760414" y="2041525"/>
-            <a:ext cx="7538856" cy="2031325"/>
+            <a:off x="753762" y="2038865"/>
+            <a:ext cx="7545508" cy="2033985"/>
           </a:xfrm>
           <a:prstGeom prst="rect">
             <a:avLst/>
@@ -9952,7 +9942,7 @@
         </p:nvSpPr>
         <p:spPr>
           <a:xfrm>
-            <a:off x="228600" y="984739"/>
+            <a:off x="228599" y="1035538"/>
             <a:ext cx="8534400" cy="5568462"/>
           </a:xfrm>
         </p:spPr>
@@ -17750,8 +17740,8 @@
         </p:blipFill>
         <p:spPr bwMode="auto">
           <a:xfrm>
-            <a:off x="1585784" y="1135517"/>
-            <a:ext cx="5622323" cy="2744505"/>
+            <a:off x="1554480" y="1026367"/>
+            <a:ext cx="5653627" cy="2853655"/>
           </a:xfrm>
           <a:prstGeom prst="rect">
             <a:avLst/>
@@ -19875,7 +19865,7 @@
         </p:blipFill>
         <p:spPr bwMode="auto">
           <a:xfrm>
-            <a:off x="0" y="914400"/>
+            <a:off x="0" y="931985"/>
             <a:ext cx="9144000" cy="5943600"/>
           </a:xfrm>
           <a:prstGeom prst="rect">
